--- a/CCTV sign/CCTV sign.pptx
+++ b/CCTV sign/CCTV sign.pptx
@@ -104,6 +104,11 @@
       </a:defRPr>
     </a:lvl9pPr>
   </p:defaultTextStyle>
+  <p:extLst>
+    <p:ext uri="{EFAFB233-063F-42B5-8137-9DF3F51BA10A}">
+      <p15:sldGuideLst xmlns:p15="http://schemas.microsoft.com/office/powerpoint/2012/main"/>
+    </p:ext>
+  </p:extLst>
 </p:presentation>
 </file>
 
@@ -254,7 +259,7 @@
           <a:p>
             <a:fld id="{2E942F5F-2192-45F7-AD97-EC06406A7A08}" type="datetimeFigureOut">
               <a:rPr lang="ko-KR" altLang="en-US" smtClean="0"/>
-              <a:t>2023-11-05</a:t>
+              <a:t>2023-12-01</a:t>
             </a:fld>
             <a:endParaRPr lang="ko-KR" altLang="en-US"/>
           </a:p>
@@ -452,7 +457,7 @@
           <a:p>
             <a:fld id="{2E942F5F-2192-45F7-AD97-EC06406A7A08}" type="datetimeFigureOut">
               <a:rPr lang="ko-KR" altLang="en-US" smtClean="0"/>
-              <a:t>2023-11-05</a:t>
+              <a:t>2023-12-01</a:t>
             </a:fld>
             <a:endParaRPr lang="ko-KR" altLang="en-US"/>
           </a:p>
@@ -660,7 +665,7 @@
           <a:p>
             <a:fld id="{2E942F5F-2192-45F7-AD97-EC06406A7A08}" type="datetimeFigureOut">
               <a:rPr lang="ko-KR" altLang="en-US" smtClean="0"/>
-              <a:t>2023-11-05</a:t>
+              <a:t>2023-12-01</a:t>
             </a:fld>
             <a:endParaRPr lang="ko-KR" altLang="en-US"/>
           </a:p>
@@ -858,7 +863,7 @@
           <a:p>
             <a:fld id="{2E942F5F-2192-45F7-AD97-EC06406A7A08}" type="datetimeFigureOut">
               <a:rPr lang="ko-KR" altLang="en-US" smtClean="0"/>
-              <a:t>2023-11-05</a:t>
+              <a:t>2023-12-01</a:t>
             </a:fld>
             <a:endParaRPr lang="ko-KR" altLang="en-US"/>
           </a:p>
@@ -1133,7 +1138,7 @@
           <a:p>
             <a:fld id="{2E942F5F-2192-45F7-AD97-EC06406A7A08}" type="datetimeFigureOut">
               <a:rPr lang="ko-KR" altLang="en-US" smtClean="0"/>
-              <a:t>2023-11-05</a:t>
+              <a:t>2023-12-01</a:t>
             </a:fld>
             <a:endParaRPr lang="ko-KR" altLang="en-US"/>
           </a:p>
@@ -1398,7 +1403,7 @@
           <a:p>
             <a:fld id="{2E942F5F-2192-45F7-AD97-EC06406A7A08}" type="datetimeFigureOut">
               <a:rPr lang="ko-KR" altLang="en-US" smtClean="0"/>
-              <a:t>2023-11-05</a:t>
+              <a:t>2023-12-01</a:t>
             </a:fld>
             <a:endParaRPr lang="ko-KR" altLang="en-US"/>
           </a:p>
@@ -1810,7 +1815,7 @@
           <a:p>
             <a:fld id="{2E942F5F-2192-45F7-AD97-EC06406A7A08}" type="datetimeFigureOut">
               <a:rPr lang="ko-KR" altLang="en-US" smtClean="0"/>
-              <a:t>2023-11-05</a:t>
+              <a:t>2023-12-01</a:t>
             </a:fld>
             <a:endParaRPr lang="ko-KR" altLang="en-US"/>
           </a:p>
@@ -1951,7 +1956,7 @@
           <a:p>
             <a:fld id="{2E942F5F-2192-45F7-AD97-EC06406A7A08}" type="datetimeFigureOut">
               <a:rPr lang="ko-KR" altLang="en-US" smtClean="0"/>
-              <a:t>2023-11-05</a:t>
+              <a:t>2023-12-01</a:t>
             </a:fld>
             <a:endParaRPr lang="ko-KR" altLang="en-US"/>
           </a:p>
@@ -2064,7 +2069,7 @@
           <a:p>
             <a:fld id="{2E942F5F-2192-45F7-AD97-EC06406A7A08}" type="datetimeFigureOut">
               <a:rPr lang="ko-KR" altLang="en-US" smtClean="0"/>
-              <a:t>2023-11-05</a:t>
+              <a:t>2023-12-01</a:t>
             </a:fld>
             <a:endParaRPr lang="ko-KR" altLang="en-US"/>
           </a:p>
@@ -2375,7 +2380,7 @@
           <a:p>
             <a:fld id="{2E942F5F-2192-45F7-AD97-EC06406A7A08}" type="datetimeFigureOut">
               <a:rPr lang="ko-KR" altLang="en-US" smtClean="0"/>
-              <a:t>2023-11-05</a:t>
+              <a:t>2023-12-01</a:t>
             </a:fld>
             <a:endParaRPr lang="ko-KR" altLang="en-US"/>
           </a:p>
@@ -2663,7 +2668,7 @@
           <a:p>
             <a:fld id="{2E942F5F-2192-45F7-AD97-EC06406A7A08}" type="datetimeFigureOut">
               <a:rPr lang="ko-KR" altLang="en-US" smtClean="0"/>
-              <a:t>2023-11-05</a:t>
+              <a:t>2023-12-01</a:t>
             </a:fld>
             <a:endParaRPr lang="ko-KR" altLang="en-US"/>
           </a:p>
@@ -2904,7 +2909,7 @@
           <a:p>
             <a:fld id="{2E942F5F-2192-45F7-AD97-EC06406A7A08}" type="datetimeFigureOut">
               <a:rPr lang="ko-KR" altLang="en-US" smtClean="0"/>
-              <a:t>2023-11-05</a:t>
+              <a:t>2023-12-01</a:t>
             </a:fld>
             <a:endParaRPr lang="ko-KR" altLang="en-US"/>
           </a:p>
@@ -3524,7 +3529,7 @@
         </p:nvSpPr>
         <p:spPr>
           <a:xfrm>
-            <a:off x="333930" y="3148817"/>
+            <a:off x="333930" y="3355964"/>
             <a:ext cx="2773292" cy="553998"/>
           </a:xfrm>
           <a:prstGeom prst="rect">
@@ -3569,7 +3574,7 @@
         </p:nvSpPr>
         <p:spPr>
           <a:xfrm>
-            <a:off x="333930" y="4075216"/>
+            <a:off x="333930" y="4489509"/>
             <a:ext cx="2773292" cy="553998"/>
           </a:xfrm>
           <a:prstGeom prst="rect">
@@ -3607,7 +3612,7 @@
         </p:nvSpPr>
         <p:spPr>
           <a:xfrm>
-            <a:off x="376371" y="5001615"/>
+            <a:off x="376371" y="5623054"/>
             <a:ext cx="2392291" cy="553998"/>
           </a:xfrm>
           <a:prstGeom prst="rect">
@@ -3622,14 +3627,14 @@
           <a:lstStyle/>
           <a:p>
             <a:r>
-              <a:rPr lang="ko-KR" altLang="en-US" sz="3000" dirty="0">
+              <a:rPr lang="ko-KR" altLang="en-US" sz="3000">
                 <a:latin typeface="HY헤드라인M" panose="02030600000101010101" pitchFamily="18" charset="-127"/>
                 <a:ea typeface="HY헤드라인M" panose="02030600000101010101" pitchFamily="18" charset="-127"/>
               </a:rPr>
-              <a:t>책 임 자 </a:t>
-            </a:r>
-            <a:r>
-              <a:rPr lang="en-US" altLang="ko-KR" sz="3000" dirty="0">
+              <a:t>연 락 처  </a:t>
+            </a:r>
+            <a:r>
+              <a:rPr lang="en-US" altLang="ko-KR" sz="3000">
                 <a:latin typeface="HY헤드라인M" panose="02030600000101010101" pitchFamily="18" charset="-127"/>
                 <a:ea typeface="HY헤드라인M" panose="02030600000101010101" pitchFamily="18" charset="-127"/>
               </a:rPr>
@@ -3651,13 +3656,15 @@
               </a:ext>
             </a:extLst>
           </p:cNvPr>
-          <p:cNvCxnSpPr/>
+          <p:cNvCxnSpPr>
+            <a:cxnSpLocks/>
+          </p:cNvCxnSpPr>
           <p:nvPr/>
         </p:nvCxnSpPr>
         <p:spPr>
           <a:xfrm>
-            <a:off x="2768662" y="2281125"/>
-            <a:ext cx="0" cy="4200887"/>
+            <a:off x="2768662" y="2248828"/>
+            <a:ext cx="0" cy="3841254"/>
           </a:xfrm>
           <a:prstGeom prst="line">
             <a:avLst/>
@@ -3745,7 +3752,7 @@
         </p:nvSpPr>
         <p:spPr>
           <a:xfrm>
-            <a:off x="3229334" y="3134472"/>
+            <a:off x="3229334" y="3356413"/>
             <a:ext cx="5533664" cy="553998"/>
           </a:xfrm>
           <a:prstGeom prst="rect">
@@ -3790,7 +3797,7 @@
         </p:nvSpPr>
         <p:spPr>
           <a:xfrm>
-            <a:off x="3229334" y="4011577"/>
+            <a:off x="3229334" y="4490969"/>
             <a:ext cx="7680768" cy="553998"/>
           </a:xfrm>
           <a:prstGeom prst="rect">
@@ -3814,69 +3821,6 @@
           </a:p>
         </p:txBody>
       </p:sp>
-      <p:sp>
-        <p:nvSpPr>
-          <p:cNvPr id="17" name="TextBox 16">
-            <a:extLst>
-              <a:ext uri="{FF2B5EF4-FFF2-40B4-BE49-F238E27FC236}">
-                <a16:creationId xmlns:a16="http://schemas.microsoft.com/office/drawing/2014/main" id="{32FCFDED-CA84-2804-2B8D-63A9D84E3BC4}"/>
-              </a:ext>
-            </a:extLst>
-          </p:cNvPr>
-          <p:cNvSpPr txBox="1"/>
-          <p:nvPr/>
-        </p:nvSpPr>
-        <p:spPr>
-          <a:xfrm>
-            <a:off x="376371" y="5928014"/>
-            <a:ext cx="2270179" cy="553998"/>
-          </a:xfrm>
-          <a:prstGeom prst="rect">
-            <a:avLst/>
-          </a:prstGeom>
-          <a:noFill/>
-        </p:spPr>
-        <p:txBody>
-          <a:bodyPr wrap="square" rtlCol="0">
-            <a:spAutoFit/>
-          </a:bodyPr>
-          <a:lstStyle/>
-          <a:p>
-            <a:r>
-              <a:rPr lang="ko-KR" altLang="en-US" sz="3000" dirty="0">
-                <a:latin typeface="HY헤드라인M" panose="02030600000101010101" pitchFamily="18" charset="-127"/>
-                <a:ea typeface="HY헤드라인M" panose="02030600000101010101" pitchFamily="18" charset="-127"/>
-              </a:rPr>
-              <a:t>연 </a:t>
-            </a:r>
-            <a:r>
-              <a:rPr lang="ko-KR" altLang="en-US" sz="3000" dirty="0" err="1">
-                <a:latin typeface="HY헤드라인M" panose="02030600000101010101" pitchFamily="18" charset="-127"/>
-                <a:ea typeface="HY헤드라인M" panose="02030600000101010101" pitchFamily="18" charset="-127"/>
-              </a:rPr>
-              <a:t>락</a:t>
-            </a:r>
-            <a:r>
-              <a:rPr lang="ko-KR" altLang="en-US" sz="3000" dirty="0">
-                <a:latin typeface="HY헤드라인M" panose="02030600000101010101" pitchFamily="18" charset="-127"/>
-                <a:ea typeface="HY헤드라인M" panose="02030600000101010101" pitchFamily="18" charset="-127"/>
-              </a:rPr>
-              <a:t> 처</a:t>
-            </a:r>
-            <a:r>
-              <a:rPr lang="en-US" altLang="ko-KR" sz="3000" dirty="0">
-                <a:latin typeface="HY헤드라인M" panose="02030600000101010101" pitchFamily="18" charset="-127"/>
-                <a:ea typeface="HY헤드라인M" panose="02030600000101010101" pitchFamily="18" charset="-127"/>
-              </a:rPr>
-              <a:t> </a:t>
-            </a:r>
-            <a:endParaRPr lang="ko-KR" altLang="en-US" sz="3000" dirty="0">
-              <a:latin typeface="HY헤드라인M" panose="02030600000101010101" pitchFamily="18" charset="-127"/>
-              <a:ea typeface="HY헤드라인M" panose="02030600000101010101" pitchFamily="18" charset="-127"/>
-            </a:endParaRPr>
-          </a:p>
-        </p:txBody>
-      </p:sp>
       <p:cxnSp>
         <p:nvCxnSpPr>
           <p:cNvPr id="18" name="직선 연결선 17">
@@ -3893,7 +3837,7 @@
         </p:nvCxnSpPr>
         <p:spPr>
           <a:xfrm flipH="1">
-            <a:off x="211818" y="2987040"/>
+            <a:off x="229574" y="2987040"/>
             <a:ext cx="11568702" cy="0"/>
           </a:xfrm>
           <a:prstGeom prst="line">
@@ -3936,7 +3880,7 @@
         </p:nvCxnSpPr>
         <p:spPr>
           <a:xfrm flipH="1">
-            <a:off x="211818" y="3855720"/>
+            <a:off x="229574" y="4138572"/>
             <a:ext cx="11568702" cy="0"/>
           </a:xfrm>
           <a:prstGeom prst="line">
@@ -3979,7 +3923,7 @@
         </p:nvCxnSpPr>
         <p:spPr>
           <a:xfrm flipH="1">
-            <a:off x="211818" y="4754880"/>
+            <a:off x="229574" y="5290104"/>
             <a:ext cx="11568702" cy="0"/>
           </a:xfrm>
           <a:prstGeom prst="line">
@@ -4022,7 +3966,7 @@
         </p:nvCxnSpPr>
         <p:spPr>
           <a:xfrm flipH="1">
-            <a:off x="211818" y="5669280"/>
+            <a:off x="229574" y="6441636"/>
             <a:ext cx="11568702" cy="0"/>
           </a:xfrm>
           <a:prstGeom prst="line">
@@ -4051,10 +3995,10 @@
       </p:cxnSp>
       <p:sp>
         <p:nvSpPr>
-          <p:cNvPr id="25" name="TextBox 24">
-            <a:extLst>
-              <a:ext uri="{FF2B5EF4-FFF2-40B4-BE49-F238E27FC236}">
-                <a16:creationId xmlns:a16="http://schemas.microsoft.com/office/drawing/2014/main" id="{6022489C-C1CA-FD38-FFC4-9FF53EEA5E5B}"/>
+          <p:cNvPr id="2" name="TextBox 1">
+            <a:extLst>
+              <a:ext uri="{FF2B5EF4-FFF2-40B4-BE49-F238E27FC236}">
+                <a16:creationId xmlns:a16="http://schemas.microsoft.com/office/drawing/2014/main" id="{B7388AF0-9CF6-416C-57D6-D1CC8D77EBFE}"/>
               </a:ext>
             </a:extLst>
           </p:cNvPr>
@@ -4063,7 +4007,7 @@
         </p:nvSpPr>
         <p:spPr>
           <a:xfrm>
-            <a:off x="3229334" y="4925976"/>
+            <a:off x="3229334" y="5623054"/>
             <a:ext cx="7680768" cy="553998"/>
           </a:xfrm>
           <a:prstGeom prst="rect">
@@ -4078,53 +4022,11 @@
           <a:lstStyle/>
           <a:p>
             <a:r>
-              <a:rPr lang="en-US" altLang="ko-KR" sz="3000" dirty="0">
+              <a:rPr lang="en-US" altLang="ko-KR" sz="3000">
                 <a:latin typeface="HY헤드라인M" panose="02030600000101010101" pitchFamily="18" charset="-127"/>
                 <a:ea typeface="HY헤드라인M" panose="02030600000101010101" pitchFamily="18" charset="-127"/>
               </a:rPr>
-              <a:t>###</a:t>
-            </a:r>
-            <a:endParaRPr lang="ko-KR" altLang="en-US" sz="3000" dirty="0">
-              <a:latin typeface="HY헤드라인M" panose="02030600000101010101" pitchFamily="18" charset="-127"/>
-              <a:ea typeface="HY헤드라인M" panose="02030600000101010101" pitchFamily="18" charset="-127"/>
-            </a:endParaRPr>
-          </a:p>
-        </p:txBody>
-      </p:sp>
-      <p:sp>
-        <p:nvSpPr>
-          <p:cNvPr id="26" name="TextBox 25">
-            <a:extLst>
-              <a:ext uri="{FF2B5EF4-FFF2-40B4-BE49-F238E27FC236}">
-                <a16:creationId xmlns:a16="http://schemas.microsoft.com/office/drawing/2014/main" id="{937FD437-2F0B-4961-EA79-F806E178FE4D}"/>
-              </a:ext>
-            </a:extLst>
-          </p:cNvPr>
-          <p:cNvSpPr txBox="1"/>
-          <p:nvPr/>
-        </p:nvSpPr>
-        <p:spPr>
-          <a:xfrm>
-            <a:off x="3229334" y="5826155"/>
-            <a:ext cx="7680768" cy="553998"/>
-          </a:xfrm>
-          <a:prstGeom prst="rect">
-            <a:avLst/>
-          </a:prstGeom>
-          <a:noFill/>
-        </p:spPr>
-        <p:txBody>
-          <a:bodyPr wrap="square" rtlCol="0">
-            <a:spAutoFit/>
-          </a:bodyPr>
-          <a:lstStyle/>
-          <a:p>
-            <a:r>
-              <a:rPr lang="en-US" altLang="ko-KR" sz="3000" dirty="0">
-                <a:latin typeface="HY헤드라인M" panose="02030600000101010101" pitchFamily="18" charset="-127"/>
-                <a:ea typeface="HY헤드라인M" panose="02030600000101010101" pitchFamily="18" charset="-127"/>
-              </a:rPr>
-              <a:t>###</a:t>
+              <a:t>02-123-4567</a:t>
             </a:r>
             <a:endParaRPr lang="ko-KR" altLang="en-US" sz="3000" dirty="0">
               <a:latin typeface="HY헤드라인M" panose="02030600000101010101" pitchFamily="18" charset="-127"/>
